--- a/Resarch Des and Prop Wrt TU060_2 DS Ciaran Finnegan d21124026 cf v1-2 161022.pptx
+++ b/Resarch Des and Prop Wrt TU060_2 DS Ciaran Finnegan d21124026 cf v1-2 161022.pptx
@@ -13,8 +13,8 @@
     <p:sldId id="319" r:id="rId7"/>
     <p:sldId id="320" r:id="rId8"/>
     <p:sldId id="321" r:id="rId9"/>
-    <p:sldId id="322" r:id="rId10"/>
-    <p:sldId id="323" r:id="rId11"/>
+    <p:sldId id="323" r:id="rId10"/>
+    <p:sldId id="325" r:id="rId11"/>
     <p:sldId id="324" r:id="rId12"/>
   </p:sldIdLst>
   <p:sldSz cx="12192000" cy="6858000"/>
@@ -1295,7 +1295,7 @@
     </p:spTree>
     <p:extLst>
       <p:ext uri="{BB962C8B-B14F-4D97-AF65-F5344CB8AC3E}">
-        <p14:creationId xmlns:p14="http://schemas.microsoft.com/office/powerpoint/2010/main" val="3480318029"/>
+        <p14:creationId xmlns:p14="http://schemas.microsoft.com/office/powerpoint/2010/main" val="1908341135"/>
       </p:ext>
     </p:extLst>
   </p:cSld>
@@ -1443,7 +1443,7 @@
     </p:spTree>
     <p:extLst>
       <p:ext uri="{BB962C8B-B14F-4D97-AF65-F5344CB8AC3E}">
-        <p14:creationId xmlns:p14="http://schemas.microsoft.com/office/powerpoint/2010/main" val="1908341135"/>
+        <p14:creationId xmlns:p14="http://schemas.microsoft.com/office/powerpoint/2010/main" val="1786260808"/>
       </p:ext>
     </p:extLst>
   </p:cSld>
@@ -5365,18 +5365,19 @@
         </p:spPr>
         <p:txBody>
           <a:bodyPr>
-            <a:normAutofit fontScale="70000" lnSpcReduction="20000"/>
+            <a:normAutofit fontScale="62500" lnSpcReduction="20000"/>
           </a:bodyPr>
           <a:lstStyle/>
           <a:p>
             <a:r>
+              <a:rPr lang="en-IE" sz="2000" b="1" dirty="0"/>
+              <a:t>DOMAIN</a:t>
+            </a:r>
+            <a:r>
               <a:rPr lang="en-IE" sz="2000" dirty="0"/>
-              <a:t>DOMAIN: </a:t>
-            </a:r>
-            <a:r>
-              <a:rPr lang="en-IE" sz="1400" i="1" dirty="0"/>
-              <a:t>(Cite the relevant articles that you have read (7+) across these 5 branches, according to the APA7 style).</a:t>
-            </a:r>
+              <a:t>:</a:t>
+            </a:r>
+            <a:endParaRPr lang="en-IE" sz="1400" i="1" dirty="0"/>
           </a:p>
           <a:p>
             <a:r>
@@ -5407,6 +5408,18 @@
               <a:rPr lang="en-IE" sz="2000" dirty="0"/>
               <a:t> </a:t>
             </a:r>
+            <a:r>
+              <a:rPr lang="en-IE" sz="1400" b="0" i="0" dirty="0">
+                <a:solidFill>
+                  <a:schemeClr val="tx1">
+                    <a:lumMod val="50000"/>
+                    <a:lumOff val="50000"/>
+                  </a:schemeClr>
+                </a:solidFill>
+                <a:effectLst/>
+              </a:rPr>
+              <a:t>(Whatman, 2022)</a:t>
+            </a:r>
           </a:p>
           <a:p>
             <a:r>
@@ -5423,8 +5436,28 @@
             </a:r>
             <a:r>
               <a:rPr lang="en-IE" sz="2000" dirty="0"/>
-              <a:t>→ Computer Crime → Financial Crime</a:t>
-            </a:r>
+              <a:t>→ Computer Crime → Financial Crime </a:t>
+            </a:r>
+            <a:r>
+              <a:rPr lang="en-IE" sz="1400" b="0" i="0" dirty="0">
+                <a:solidFill>
+                  <a:schemeClr val="tx1">
+                    <a:lumMod val="50000"/>
+                    <a:lumOff val="50000"/>
+                  </a:schemeClr>
+                </a:solidFill>
+                <a:effectLst/>
+              </a:rPr>
+              <a:t>(Gee &amp; Button, 2019)</a:t>
+            </a:r>
+            <a:endParaRPr lang="en-IE" sz="1400" dirty="0">
+              <a:solidFill>
+                <a:schemeClr val="tx1">
+                  <a:lumMod val="50000"/>
+                  <a:lumOff val="50000"/>
+                </a:schemeClr>
+              </a:solidFill>
+            </a:endParaRPr>
           </a:p>
           <a:p>
             <a:r>
@@ -5449,9 +5482,52 @@
             </a:r>
             <a:r>
               <a:rPr lang="en-IE" sz="2000" i="1" dirty="0"/>
-              <a:t>Investigation Techniques</a:t>
-            </a:r>
-            <a:endParaRPr lang="en-IE" sz="2000" dirty="0"/>
+              <a:t>Investigation Techniques </a:t>
+            </a:r>
+            <a:r>
+              <a:rPr lang="en-IE" sz="1400" b="0" i="0" dirty="0">
+                <a:solidFill>
+                  <a:schemeClr val="tx1">
+                    <a:lumMod val="50000"/>
+                    <a:lumOff val="50000"/>
+                  </a:schemeClr>
+                </a:solidFill>
+                <a:effectLst/>
+              </a:rPr>
+              <a:t>(Sharma &amp; </a:t>
+            </a:r>
+            <a:r>
+              <a:rPr lang="en-IE" sz="1400" b="0" i="0" dirty="0" err="1">
+                <a:solidFill>
+                  <a:schemeClr val="tx1">
+                    <a:lumMod val="50000"/>
+                    <a:lumOff val="50000"/>
+                  </a:schemeClr>
+                </a:solidFill>
+                <a:effectLst/>
+              </a:rPr>
+              <a:t>Bathla</a:t>
+            </a:r>
+            <a:r>
+              <a:rPr lang="en-IE" sz="1400" b="0" i="0" dirty="0">
+                <a:solidFill>
+                  <a:schemeClr val="tx1">
+                    <a:lumMod val="50000"/>
+                    <a:lumOff val="50000"/>
+                  </a:schemeClr>
+                </a:solidFill>
+                <a:effectLst/>
+              </a:rPr>
+              <a:t>, 2020)</a:t>
+            </a:r>
+            <a:endParaRPr lang="en-IE" sz="1400" dirty="0">
+              <a:solidFill>
+                <a:schemeClr val="tx1">
+                  <a:lumMod val="50000"/>
+                  <a:lumOff val="50000"/>
+                </a:schemeClr>
+              </a:solidFill>
+            </a:endParaRPr>
           </a:p>
           <a:p>
             <a:r>
@@ -5484,9 +5560,28 @@
             </a:r>
             <a:r>
               <a:rPr lang="en-IE" sz="2000" i="1" dirty="0"/>
-              <a:t>Neural Networks</a:t>
-            </a:r>
-            <a:endParaRPr lang="en-IE" sz="2000" dirty="0"/>
+              <a:t>Neural Networks </a:t>
+            </a:r>
+            <a:r>
+              <a:rPr lang="en-IE" sz="1400" b="0" i="0" dirty="0">
+                <a:solidFill>
+                  <a:schemeClr val="tx1">
+                    <a:lumMod val="50000"/>
+                    <a:lumOff val="50000"/>
+                  </a:schemeClr>
+                </a:solidFill>
+                <a:effectLst/>
+              </a:rPr>
+              <a:t>(RB &amp; KR, 2021; Anowar &amp; Sadaoui, 2020; Nguyen et al., 2022)</a:t>
+            </a:r>
+            <a:endParaRPr lang="en-IE" sz="1400" dirty="0">
+              <a:solidFill>
+                <a:schemeClr val="tx1">
+                  <a:lumMod val="50000"/>
+                  <a:lumOff val="50000"/>
+                </a:schemeClr>
+              </a:solidFill>
+            </a:endParaRPr>
           </a:p>
           <a:p>
             <a:r>
@@ -5521,7 +5616,98 @@
               <a:rPr lang="en-IE" sz="2000" i="1" dirty="0"/>
               <a:t>Causal Reasoning and Diagnostics </a:t>
             </a:r>
-            <a:endParaRPr lang="en-IE" sz="2000" dirty="0"/>
+            <a:r>
+              <a:rPr lang="en-IE" sz="1400" b="0" i="0" dirty="0">
+                <a:solidFill>
+                  <a:schemeClr val="tx1">
+                    <a:lumMod val="50000"/>
+                    <a:lumOff val="50000"/>
+                  </a:schemeClr>
+                </a:solidFill>
+                <a:effectLst/>
+              </a:rPr>
+              <a:t>(Sinanc et al., 2021; </a:t>
+            </a:r>
+            <a:r>
+              <a:rPr lang="en-IE" sz="1400" b="0" i="0" dirty="0" err="1">
+                <a:solidFill>
+                  <a:schemeClr val="tx1">
+                    <a:lumMod val="50000"/>
+                    <a:lumOff val="50000"/>
+                  </a:schemeClr>
+                </a:solidFill>
+                <a:effectLst/>
+              </a:rPr>
+              <a:t>Psychoula</a:t>
+            </a:r>
+            <a:r>
+              <a:rPr lang="en-IE" sz="1400" b="0" i="0" dirty="0">
+                <a:solidFill>
+                  <a:schemeClr val="tx1">
+                    <a:lumMod val="50000"/>
+                    <a:lumOff val="50000"/>
+                  </a:schemeClr>
+                </a:solidFill>
+                <a:effectLst/>
+              </a:rPr>
+              <a:t> et al., 2021; </a:t>
+            </a:r>
+            <a:r>
+              <a:rPr lang="en-IE" sz="1400" b="0" i="0" dirty="0" err="1">
+                <a:solidFill>
+                  <a:schemeClr val="tx1">
+                    <a:lumMod val="50000"/>
+                    <a:lumOff val="50000"/>
+                  </a:schemeClr>
+                </a:solidFill>
+                <a:effectLst/>
+              </a:rPr>
+              <a:t>Adadi</a:t>
+            </a:r>
+            <a:r>
+              <a:rPr lang="en-IE" sz="1400" b="0" i="0" dirty="0">
+                <a:solidFill>
+                  <a:schemeClr val="tx1">
+                    <a:lumMod val="50000"/>
+                    <a:lumOff val="50000"/>
+                  </a:schemeClr>
+                </a:solidFill>
+                <a:effectLst/>
+              </a:rPr>
+              <a:t> &amp; </a:t>
+            </a:r>
+            <a:r>
+              <a:rPr lang="en-IE" sz="1400" b="0" i="0" dirty="0" err="1">
+                <a:solidFill>
+                  <a:schemeClr val="tx1">
+                    <a:lumMod val="50000"/>
+                    <a:lumOff val="50000"/>
+                  </a:schemeClr>
+                </a:solidFill>
+                <a:effectLst/>
+              </a:rPr>
+              <a:t>Berrada</a:t>
+            </a:r>
+            <a:r>
+              <a:rPr lang="en-IE" sz="1400" b="0" i="0" dirty="0">
+                <a:solidFill>
+                  <a:schemeClr val="tx1">
+                    <a:lumMod val="50000"/>
+                    <a:lumOff val="50000"/>
+                  </a:schemeClr>
+                </a:solidFill>
+                <a:effectLst/>
+              </a:rPr>
+              <a:t>, 2018)</a:t>
+            </a:r>
+            <a:endParaRPr lang="en-IE" sz="1400" dirty="0">
+              <a:solidFill>
+                <a:schemeClr val="tx1">
+                  <a:lumMod val="50000"/>
+                  <a:lumOff val="50000"/>
+                </a:schemeClr>
+              </a:solidFill>
+            </a:endParaRPr>
           </a:p>
         </p:txBody>
       </p:sp>
@@ -7380,11 +7566,11 @@
         </p:spPr>
         <p:txBody>
           <a:bodyPr>
-            <a:normAutofit/>
+            <a:noAutofit/>
           </a:bodyPr>
           <a:lstStyle/>
           <a:p>
-            <a:pPr marL="342900" indent="-342900">
+            <a:pPr marL="228600" indent="-228600">
               <a:lnSpc>
                 <a:spcPct val="150000"/>
               </a:lnSpc>
@@ -7395,23 +7581,47 @@
               <a:buAutoNum type="arabicPeriod"/>
             </a:pPr>
             <a:r>
-              <a:rPr lang="en-US" sz="1800" dirty="0">
+              <a:rPr lang="en-US" sz="1200" dirty="0" err="1">
                 <a:effectLst/>
                 <a:ea typeface="Calibri" panose="020F0502020204030204" pitchFamily="34" charset="0"/>
                 <a:cs typeface="Arial" panose="020B0604020202020204" pitchFamily="34" charset="0"/>
               </a:rPr>
-              <a:t>Sinanc, D., Demirezen, U., &amp; Sağıroğlu, Ş. (2021). Explainable Credit Card Fraud Detection with Image Conversion. </a:t>
-            </a:r>
-            <a:r>
-              <a:rPr lang="en-US" sz="1800" i="1" dirty="0">
+              <a:t>Adadi</a:t>
+            </a:r>
+            <a:r>
+              <a:rPr lang="en-US" sz="1200" dirty="0">
                 <a:effectLst/>
                 <a:ea typeface="Calibri" panose="020F0502020204030204" pitchFamily="34" charset="0"/>
                 <a:cs typeface="Arial" panose="020B0604020202020204" pitchFamily="34" charset="0"/>
               </a:rPr>
-              <a:t>ADCAIJ: Advances In Distributed Computing And Artificial Intelligence Journal</a:t>
-            </a:r>
-            <a:r>
-              <a:rPr lang="en-US" sz="1800" dirty="0">
+              <a:t>, A., &amp; </a:t>
+            </a:r>
+            <a:r>
+              <a:rPr lang="en-US" sz="1200" dirty="0" err="1">
+                <a:effectLst/>
+                <a:ea typeface="Calibri" panose="020F0502020204030204" pitchFamily="34" charset="0"/>
+                <a:cs typeface="Arial" panose="020B0604020202020204" pitchFamily="34" charset="0"/>
+              </a:rPr>
+              <a:t>Berrada</a:t>
+            </a:r>
+            <a:r>
+              <a:rPr lang="en-US" sz="1200" dirty="0">
+                <a:effectLst/>
+                <a:ea typeface="Calibri" panose="020F0502020204030204" pitchFamily="34" charset="0"/>
+                <a:cs typeface="Arial" panose="020B0604020202020204" pitchFamily="34" charset="0"/>
+              </a:rPr>
+              <a:t>, M. (2018). Peeking Inside the Black-Box: A Survey on Explainable Artificial Intelligence (XAI). </a:t>
+            </a:r>
+            <a:r>
+              <a:rPr lang="en-US" sz="1200" i="1" dirty="0">
+                <a:effectLst/>
+                <a:ea typeface="Calibri" panose="020F0502020204030204" pitchFamily="34" charset="0"/>
+                <a:cs typeface="Arial" panose="020B0604020202020204" pitchFamily="34" charset="0"/>
+              </a:rPr>
+              <a:t>IEEE Access</a:t>
+            </a:r>
+            <a:r>
+              <a:rPr lang="en-US" sz="1200" dirty="0">
                 <a:effectLst/>
                 <a:ea typeface="Calibri" panose="020F0502020204030204" pitchFamily="34" charset="0"/>
                 <a:cs typeface="Arial" panose="020B0604020202020204" pitchFamily="34" charset="0"/>
@@ -7419,39 +7629,258 @@
               <a:t>, </a:t>
             </a:r>
             <a:r>
-              <a:rPr lang="en-US" sz="1800" i="1" dirty="0">
+              <a:rPr lang="en-US" sz="1200" i="1" dirty="0">
                 <a:effectLst/>
                 <a:ea typeface="Calibri" panose="020F0502020204030204" pitchFamily="34" charset="0"/>
                 <a:cs typeface="Arial" panose="020B0604020202020204" pitchFamily="34" charset="0"/>
               </a:rPr>
-              <a:t>10</a:t>
-            </a:r>
-            <a:r>
-              <a:rPr lang="en-US" sz="1800" dirty="0">
+              <a:t>6</a:t>
+            </a:r>
+            <a:r>
+              <a:rPr lang="en-US" sz="1200" dirty="0">
                 <a:effectLst/>
                 <a:ea typeface="Calibri" panose="020F0502020204030204" pitchFamily="34" charset="0"/>
                 <a:cs typeface="Arial" panose="020B0604020202020204" pitchFamily="34" charset="0"/>
               </a:rPr>
-              <a:t>(1), 63-76. https://doi.org/10.14201/adcaij20211016376</a:t>
-            </a:r>
-            <a:endParaRPr lang="en-IE" sz="1800" dirty="0">
+              <a:t>(52), 138-160. https://doi.org/10.1109/access.2018.2870052</a:t>
+            </a:r>
+            <a:endParaRPr lang="en-IE" sz="1200" dirty="0">
               <a:effectLst/>
               <a:ea typeface="Calibri" panose="020F0502020204030204" pitchFamily="34" charset="0"/>
               <a:cs typeface="Arial" panose="020B0604020202020204" pitchFamily="34" charset="0"/>
             </a:endParaRPr>
           </a:p>
           <a:p>
-            <a:pPr>
-              <a:buFont typeface="Arial" panose="020B0604020202020204" pitchFamily="34" charset="0"/>
-              <a:buChar char="•"/>
+            <a:pPr marL="228600" indent="-228600">
+              <a:lnSpc>
+                <a:spcPct val="150000"/>
+              </a:lnSpc>
+              <a:spcAft>
+                <a:spcPts val="1680"/>
+              </a:spcAft>
+              <a:buFont typeface="+mj-lt"/>
+              <a:buAutoNum type="arabicPeriod"/>
             </a:pPr>
-            <a:endParaRPr lang="en-GB" sz="2000" dirty="0"/>
-          </a:p>
-          <a:p>
-            <a:endParaRPr lang="en-GB" sz="2000" dirty="0"/>
-          </a:p>
-          <a:p>
-            <a:endParaRPr lang="en-IE" sz="2000" dirty="0"/>
+            <a:r>
+              <a:rPr lang="en-US" sz="1200" dirty="0">
+                <a:effectLst/>
+                <a:ea typeface="Calibri" panose="020F0502020204030204" pitchFamily="34" charset="0"/>
+                <a:cs typeface="Arial" panose="020B0604020202020204" pitchFamily="34" charset="0"/>
+              </a:rPr>
+              <a:t>Anowar, F., &amp; Sadaoui, S. (2020). Incremental Neural-Network Learning for Big Fraud Data. </a:t>
+            </a:r>
+            <a:r>
+              <a:rPr lang="en-US" sz="1200" i="1" dirty="0">
+                <a:effectLst/>
+                <a:ea typeface="Calibri" panose="020F0502020204030204" pitchFamily="34" charset="0"/>
+                <a:cs typeface="Arial" panose="020B0604020202020204" pitchFamily="34" charset="0"/>
+              </a:rPr>
+              <a:t>2020 IEEE International Conference On Systems, Man, And Cybernetics (SMC)</a:t>
+            </a:r>
+            <a:r>
+              <a:rPr lang="en-US" sz="1200" dirty="0">
+                <a:effectLst/>
+                <a:ea typeface="Calibri" panose="020F0502020204030204" pitchFamily="34" charset="0"/>
+                <a:cs typeface="Arial" panose="020B0604020202020204" pitchFamily="34" charset="0"/>
+              </a:rPr>
+              <a:t>, </a:t>
+            </a:r>
+            <a:r>
+              <a:rPr lang="en-US" sz="1200" i="1" dirty="0">
+                <a:effectLst/>
+                <a:ea typeface="Calibri" panose="020F0502020204030204" pitchFamily="34" charset="0"/>
+                <a:cs typeface="Arial" panose="020B0604020202020204" pitchFamily="34" charset="0"/>
+              </a:rPr>
+              <a:t>1</a:t>
+            </a:r>
+            <a:r>
+              <a:rPr lang="en-US" sz="1200" dirty="0">
+                <a:effectLst/>
+                <a:ea typeface="Calibri" panose="020F0502020204030204" pitchFamily="34" charset="0"/>
+                <a:cs typeface="Arial" panose="020B0604020202020204" pitchFamily="34" charset="0"/>
+              </a:rPr>
+              <a:t>(1), 1-4. https://doi.org/10.1109/smc42975.2020.9283136</a:t>
+            </a:r>
+            <a:endParaRPr lang="en-IE" sz="1200" dirty="0">
+              <a:effectLst/>
+              <a:ea typeface="Calibri" panose="020F0502020204030204" pitchFamily="34" charset="0"/>
+              <a:cs typeface="Arial" panose="020B0604020202020204" pitchFamily="34" charset="0"/>
+            </a:endParaRPr>
+          </a:p>
+          <a:p>
+            <a:pPr marL="228600" indent="-228600">
+              <a:lnSpc>
+                <a:spcPct val="150000"/>
+              </a:lnSpc>
+              <a:spcAft>
+                <a:spcPts val="1680"/>
+              </a:spcAft>
+              <a:buFont typeface="+mj-lt"/>
+              <a:buAutoNum type="arabicPeriod"/>
+            </a:pPr>
+            <a:r>
+              <a:rPr lang="en-US" sz="1200" dirty="0">
+                <a:effectLst/>
+                <a:ea typeface="Calibri" panose="020F0502020204030204" pitchFamily="34" charset="0"/>
+                <a:cs typeface="Arial" panose="020B0604020202020204" pitchFamily="34" charset="0"/>
+              </a:rPr>
+              <a:t>Gee, J., &amp; Button, M. (2019). </a:t>
+            </a:r>
+            <a:r>
+              <a:rPr lang="en-US" sz="1200" i="1" dirty="0">
+                <a:effectLst/>
+                <a:ea typeface="Calibri" panose="020F0502020204030204" pitchFamily="34" charset="0"/>
+                <a:cs typeface="Arial" panose="020B0604020202020204" pitchFamily="34" charset="0"/>
+              </a:rPr>
+              <a:t>The Financial Cost of Fraud 2019</a:t>
+            </a:r>
+            <a:r>
+              <a:rPr lang="en-US" sz="1200" dirty="0">
+                <a:effectLst/>
+                <a:ea typeface="Calibri" panose="020F0502020204030204" pitchFamily="34" charset="0"/>
+                <a:cs typeface="Arial" panose="020B0604020202020204" pitchFamily="34" charset="0"/>
+              </a:rPr>
+              <a:t>. Crowe.com. Retrieved 16 October 2022, from https://www.crowe.com/uk/croweuk/-/media/Crowe/Firms/Europe/uk/CroweUK/PDF-publications/The-Financial-Cost-of-Fraud-2019.</a:t>
+            </a:r>
+            <a:endParaRPr lang="en-IE" sz="1200" dirty="0">
+              <a:effectLst/>
+              <a:ea typeface="Calibri" panose="020F0502020204030204" pitchFamily="34" charset="0"/>
+              <a:cs typeface="Arial" panose="020B0604020202020204" pitchFamily="34" charset="0"/>
+            </a:endParaRPr>
+          </a:p>
+          <a:p>
+            <a:pPr marL="228600" indent="-228600">
+              <a:lnSpc>
+                <a:spcPct val="150000"/>
+              </a:lnSpc>
+              <a:spcAft>
+                <a:spcPts val="1680"/>
+              </a:spcAft>
+              <a:buFont typeface="+mj-lt"/>
+              <a:buAutoNum type="arabicPeriod"/>
+            </a:pPr>
+            <a:r>
+              <a:rPr lang="en-US" sz="1200" dirty="0">
+                <a:effectLst/>
+                <a:ea typeface="Calibri" panose="020F0502020204030204" pitchFamily="34" charset="0"/>
+                <a:cs typeface="Arial" panose="020B0604020202020204" pitchFamily="34" charset="0"/>
+              </a:rPr>
+              <a:t>Nguyen, T., Tahir, H., Abdelrazek, M., &amp; Babar, A. (2022). </a:t>
+            </a:r>
+            <a:r>
+              <a:rPr lang="en-US" sz="1200" i="1" dirty="0">
+                <a:effectLst/>
+                <a:ea typeface="Calibri" panose="020F0502020204030204" pitchFamily="34" charset="0"/>
+                <a:cs typeface="Arial" panose="020B0604020202020204" pitchFamily="34" charset="0"/>
+              </a:rPr>
+              <a:t>Deep Learning Methods for Credit Card Fraud Detection</a:t>
+            </a:r>
+            <a:r>
+              <a:rPr lang="en-US" sz="1200" dirty="0">
+                <a:effectLst/>
+                <a:ea typeface="Calibri" panose="020F0502020204030204" pitchFamily="34" charset="0"/>
+                <a:cs typeface="Arial" panose="020B0604020202020204" pitchFamily="34" charset="0"/>
+              </a:rPr>
+              <a:t>. arXiv.org. Retrieved 16 October 2022, from https://doi.org/10.48550/arXiv.2012.03754.</a:t>
+            </a:r>
+            <a:endParaRPr lang="en-IE" sz="1200" dirty="0">
+              <a:effectLst/>
+              <a:ea typeface="Calibri" panose="020F0502020204030204" pitchFamily="34" charset="0"/>
+              <a:cs typeface="Arial" panose="020B0604020202020204" pitchFamily="34" charset="0"/>
+            </a:endParaRPr>
+          </a:p>
+          <a:p>
+            <a:pPr marL="228600" indent="-228600">
+              <a:lnSpc>
+                <a:spcPct val="150000"/>
+              </a:lnSpc>
+              <a:spcAft>
+                <a:spcPts val="1680"/>
+              </a:spcAft>
+              <a:buFont typeface="+mj-lt"/>
+              <a:buAutoNum type="arabicPeriod"/>
+            </a:pPr>
+            <a:r>
+              <a:rPr lang="en-US" sz="1200" dirty="0" err="1">
+                <a:effectLst/>
+                <a:ea typeface="Calibri" panose="020F0502020204030204" pitchFamily="34" charset="0"/>
+                <a:cs typeface="Arial" panose="020B0604020202020204" pitchFamily="34" charset="0"/>
+              </a:rPr>
+              <a:t>Psychoula</a:t>
+            </a:r>
+            <a:r>
+              <a:rPr lang="en-US" sz="1200" dirty="0">
+                <a:effectLst/>
+                <a:ea typeface="Calibri" panose="020F0502020204030204" pitchFamily="34" charset="0"/>
+                <a:cs typeface="Arial" panose="020B0604020202020204" pitchFamily="34" charset="0"/>
+              </a:rPr>
+              <a:t>, I., Gutmann, A., </a:t>
+            </a:r>
+            <a:r>
+              <a:rPr lang="en-US" sz="1200" dirty="0" err="1">
+                <a:effectLst/>
+                <a:ea typeface="Calibri" panose="020F0502020204030204" pitchFamily="34" charset="0"/>
+                <a:cs typeface="Arial" panose="020B0604020202020204" pitchFamily="34" charset="0"/>
+              </a:rPr>
+              <a:t>Mainali</a:t>
+            </a:r>
+            <a:r>
+              <a:rPr lang="en-US" sz="1200" dirty="0">
+                <a:effectLst/>
+                <a:ea typeface="Calibri" panose="020F0502020204030204" pitchFamily="34" charset="0"/>
+                <a:cs typeface="Arial" panose="020B0604020202020204" pitchFamily="34" charset="0"/>
+              </a:rPr>
+              <a:t>, P., Lee, S., Dunphy, P., &amp; </a:t>
+            </a:r>
+            <a:r>
+              <a:rPr lang="en-US" sz="1200" dirty="0" err="1">
+                <a:effectLst/>
+                <a:ea typeface="Calibri" panose="020F0502020204030204" pitchFamily="34" charset="0"/>
+                <a:cs typeface="Arial" panose="020B0604020202020204" pitchFamily="34" charset="0"/>
+              </a:rPr>
+              <a:t>Petitcolas</a:t>
+            </a:r>
+            <a:r>
+              <a:rPr lang="en-US" sz="1200" dirty="0">
+                <a:effectLst/>
+                <a:ea typeface="Calibri" panose="020F0502020204030204" pitchFamily="34" charset="0"/>
+                <a:cs typeface="Arial" panose="020B0604020202020204" pitchFamily="34" charset="0"/>
+              </a:rPr>
+              <a:t>, F. (2021). Explainable Machine Learning for Fraud Detection. </a:t>
+            </a:r>
+            <a:r>
+              <a:rPr lang="en-US" sz="1200" i="1" dirty="0">
+                <a:effectLst/>
+                <a:ea typeface="Calibri" panose="020F0502020204030204" pitchFamily="34" charset="0"/>
+                <a:cs typeface="Arial" panose="020B0604020202020204" pitchFamily="34" charset="0"/>
+              </a:rPr>
+              <a:t>Computer</a:t>
+            </a:r>
+            <a:r>
+              <a:rPr lang="en-US" sz="1200" dirty="0">
+                <a:effectLst/>
+                <a:ea typeface="Calibri" panose="020F0502020204030204" pitchFamily="34" charset="0"/>
+                <a:cs typeface="Arial" panose="020B0604020202020204" pitchFamily="34" charset="0"/>
+              </a:rPr>
+              <a:t>, </a:t>
+            </a:r>
+            <a:r>
+              <a:rPr lang="en-US" sz="1200" i="1" dirty="0">
+                <a:effectLst/>
+                <a:ea typeface="Calibri" panose="020F0502020204030204" pitchFamily="34" charset="0"/>
+                <a:cs typeface="Arial" panose="020B0604020202020204" pitchFamily="34" charset="0"/>
+              </a:rPr>
+              <a:t>54</a:t>
+            </a:r>
+            <a:r>
+              <a:rPr lang="en-US" sz="1200" dirty="0">
+                <a:effectLst/>
+                <a:ea typeface="Calibri" panose="020F0502020204030204" pitchFamily="34" charset="0"/>
+                <a:cs typeface="Arial" panose="020B0604020202020204" pitchFamily="34" charset="0"/>
+              </a:rPr>
+              <a:t>(10), 49-59. https://doi.org/10.1109/mc.2021.3081249</a:t>
+            </a:r>
+            <a:endParaRPr lang="en-IE" sz="1200" dirty="0"/>
           </a:p>
         </p:txBody>
       </p:sp>
@@ -7728,7 +8157,7 @@
     </p:spTree>
     <p:extLst>
       <p:ext uri="{BB962C8B-B14F-4D97-AF65-F5344CB8AC3E}">
-        <p14:creationId xmlns:p14="http://schemas.microsoft.com/office/powerpoint/2010/main" val="2270003596"/>
+        <p14:creationId xmlns:p14="http://schemas.microsoft.com/office/powerpoint/2010/main" val="1606121261"/>
       </p:ext>
     </p:extLst>
   </p:cSld>
@@ -7826,31 +8255,249 @@
         </p:spPr>
         <p:txBody>
           <a:bodyPr>
-            <a:normAutofit/>
+            <a:noAutofit/>
           </a:bodyPr>
           <a:lstStyle/>
           <a:p>
-            <a:pPr marL="457200" indent="-457200">
+            <a:pPr marL="228600" indent="-228600">
+              <a:lnSpc>
+                <a:spcPct val="150000"/>
+              </a:lnSpc>
+              <a:spcAft>
+                <a:spcPts val="1680"/>
+              </a:spcAft>
               <a:buFont typeface="+mj-lt"/>
-              <a:buAutoNum type="arabicPeriod"/>
+              <a:buAutoNum type="arabicPeriod" startAt="6"/>
             </a:pPr>
             <a:r>
-              <a:rPr lang="en-GB" sz="2000" dirty="0"/>
-              <a:t>Ref ..</a:t>
-            </a:r>
+              <a:rPr lang="en-US" sz="1200" dirty="0">
+                <a:effectLst/>
+                <a:ea typeface="Calibri" panose="020F0502020204030204" pitchFamily="34" charset="0"/>
+                <a:cs typeface="Arial" panose="020B0604020202020204" pitchFamily="34" charset="0"/>
+              </a:rPr>
+              <a:t>RB, A., &amp; KR, S. (2021). Credit card fraud detection using artificial neural network. </a:t>
+            </a:r>
+            <a:r>
+              <a:rPr lang="en-US" sz="1200" i="1" dirty="0">
+                <a:effectLst/>
+                <a:ea typeface="Calibri" panose="020F0502020204030204" pitchFamily="34" charset="0"/>
+                <a:cs typeface="Arial" panose="020B0604020202020204" pitchFamily="34" charset="0"/>
+              </a:rPr>
+              <a:t>Global Transitions Proceedings</a:t>
+            </a:r>
+            <a:r>
+              <a:rPr lang="en-US" sz="1200" dirty="0">
+                <a:effectLst/>
+                <a:ea typeface="Calibri" panose="020F0502020204030204" pitchFamily="34" charset="0"/>
+                <a:cs typeface="Arial" panose="020B0604020202020204" pitchFamily="34" charset="0"/>
+              </a:rPr>
+              <a:t>, </a:t>
+            </a:r>
+            <a:r>
+              <a:rPr lang="en-US" sz="1200" i="1" dirty="0">
+                <a:effectLst/>
+                <a:ea typeface="Calibri" panose="020F0502020204030204" pitchFamily="34" charset="0"/>
+                <a:cs typeface="Arial" panose="020B0604020202020204" pitchFamily="34" charset="0"/>
+              </a:rPr>
+              <a:t>2</a:t>
+            </a:r>
+            <a:r>
+              <a:rPr lang="en-US" sz="1200" dirty="0">
+                <a:effectLst/>
+                <a:ea typeface="Calibri" panose="020F0502020204030204" pitchFamily="34" charset="0"/>
+                <a:cs typeface="Arial" panose="020B0604020202020204" pitchFamily="34" charset="0"/>
+              </a:rPr>
+              <a:t>(1), 35-41. https://doi.org/10.1016/j.gltp.2021.01.006</a:t>
+            </a:r>
+            <a:endParaRPr lang="en-IE" sz="1200" dirty="0">
+              <a:effectLst/>
+              <a:ea typeface="Calibri" panose="020F0502020204030204" pitchFamily="34" charset="0"/>
+              <a:cs typeface="Arial" panose="020B0604020202020204" pitchFamily="34" charset="0"/>
+            </a:endParaRPr>
+          </a:p>
+          <a:p>
+            <a:pPr marL="228600" indent="-228600">
+              <a:lnSpc>
+                <a:spcPct val="150000"/>
+              </a:lnSpc>
+              <a:spcAft>
+                <a:spcPts val="1680"/>
+              </a:spcAft>
+              <a:buFont typeface="+mj-lt"/>
+              <a:buAutoNum type="arabicPeriod" startAt="6"/>
+            </a:pPr>
+            <a:r>
+              <a:rPr lang="en-US" sz="1200" dirty="0">
+                <a:effectLst/>
+                <a:ea typeface="Calibri" panose="020F0502020204030204" pitchFamily="34" charset="0"/>
+                <a:cs typeface="Arial" panose="020B0604020202020204" pitchFamily="34" charset="0"/>
+              </a:rPr>
+              <a:t>Sharma, A., &amp; </a:t>
+            </a:r>
+            <a:r>
+              <a:rPr lang="en-US" sz="1200" dirty="0" err="1">
+                <a:effectLst/>
+                <a:ea typeface="Calibri" panose="020F0502020204030204" pitchFamily="34" charset="0"/>
+                <a:cs typeface="Arial" panose="020B0604020202020204" pitchFamily="34" charset="0"/>
+              </a:rPr>
+              <a:t>Bathla</a:t>
+            </a:r>
+            <a:r>
+              <a:rPr lang="en-US" sz="1200" dirty="0">
+                <a:effectLst/>
+                <a:ea typeface="Calibri" panose="020F0502020204030204" pitchFamily="34" charset="0"/>
+                <a:cs typeface="Arial" panose="020B0604020202020204" pitchFamily="34" charset="0"/>
+              </a:rPr>
+              <a:t>, N. (2020). Review on credit card fraud detection and classification by Machine Learning and Data Mining approaches. </a:t>
+            </a:r>
+            <a:r>
+              <a:rPr lang="en-US" sz="1200" i="1" dirty="0">
+                <a:effectLst/>
+                <a:ea typeface="Calibri" panose="020F0502020204030204" pitchFamily="34" charset="0"/>
+                <a:cs typeface="Arial" panose="020B0604020202020204" pitchFamily="34" charset="0"/>
+              </a:rPr>
+              <a:t>Review On Credit Card Fraud Detection And Classification By Machine Learning And Data Mining Approaches</a:t>
+            </a:r>
+            <a:r>
+              <a:rPr lang="en-US" sz="1200" dirty="0">
+                <a:effectLst/>
+                <a:ea typeface="Calibri" panose="020F0502020204030204" pitchFamily="34" charset="0"/>
+                <a:cs typeface="Arial" panose="020B0604020202020204" pitchFamily="34" charset="0"/>
+              </a:rPr>
+              <a:t>, </a:t>
+            </a:r>
+            <a:r>
+              <a:rPr lang="en-US" sz="1200" i="1" dirty="0">
+                <a:effectLst/>
+                <a:ea typeface="Calibri" panose="020F0502020204030204" pitchFamily="34" charset="0"/>
+                <a:cs typeface="Arial" panose="020B0604020202020204" pitchFamily="34" charset="0"/>
+              </a:rPr>
+              <a:t>6</a:t>
+            </a:r>
+            <a:r>
+              <a:rPr lang="en-US" sz="1200" dirty="0">
+                <a:effectLst/>
+                <a:ea typeface="Calibri" panose="020F0502020204030204" pitchFamily="34" charset="0"/>
+                <a:cs typeface="Arial" panose="020B0604020202020204" pitchFamily="34" charset="0"/>
+              </a:rPr>
+              <a:t>, 687-692. Retrieved 16 October 2022, from https://www.semanticscholar.org/paper/Review-on-credit-card-fraud-detection-and-by-and-Sharma-Bathla/b6c839cadb4c6281a934a8788fec93d5482e6af4.</a:t>
+            </a:r>
+            <a:endParaRPr lang="en-IE" sz="1200" dirty="0">
+              <a:effectLst/>
+              <a:ea typeface="Calibri" panose="020F0502020204030204" pitchFamily="34" charset="0"/>
+              <a:cs typeface="Arial" panose="020B0604020202020204" pitchFamily="34" charset="0"/>
+            </a:endParaRPr>
+          </a:p>
+          <a:p>
+            <a:pPr marL="228600" indent="-228600">
+              <a:lnSpc>
+                <a:spcPct val="150000"/>
+              </a:lnSpc>
+              <a:spcAft>
+                <a:spcPts val="1680"/>
+              </a:spcAft>
+              <a:buFont typeface="+mj-lt"/>
+              <a:buAutoNum type="arabicPeriod" startAt="6"/>
+            </a:pPr>
+            <a:r>
+              <a:rPr lang="en-US" sz="1200" dirty="0">
+                <a:effectLst/>
+                <a:ea typeface="Calibri" panose="020F0502020204030204" pitchFamily="34" charset="0"/>
+                <a:cs typeface="Arial" panose="020B0604020202020204" pitchFamily="34" charset="0"/>
+              </a:rPr>
+              <a:t>Sinanc, D., Demirezen, U., &amp; Sağıroğlu, Ş. (2021). Explainable Credit Card Fraud Detection with Image Conversion. </a:t>
+            </a:r>
+            <a:r>
+              <a:rPr lang="en-US" sz="1200" i="1" dirty="0">
+                <a:effectLst/>
+                <a:ea typeface="Calibri" panose="020F0502020204030204" pitchFamily="34" charset="0"/>
+                <a:cs typeface="Arial" panose="020B0604020202020204" pitchFamily="34" charset="0"/>
+              </a:rPr>
+              <a:t>ADCAIJ: Advances In Distributed Computing And Artificial Intelligence Journal</a:t>
+            </a:r>
+            <a:r>
+              <a:rPr lang="en-US" sz="1200" dirty="0">
+                <a:effectLst/>
+                <a:ea typeface="Calibri" panose="020F0502020204030204" pitchFamily="34" charset="0"/>
+                <a:cs typeface="Arial" panose="020B0604020202020204" pitchFamily="34" charset="0"/>
+              </a:rPr>
+              <a:t>, </a:t>
+            </a:r>
+            <a:r>
+              <a:rPr lang="en-US" sz="1200" i="1" dirty="0">
+                <a:effectLst/>
+                <a:ea typeface="Calibri" panose="020F0502020204030204" pitchFamily="34" charset="0"/>
+                <a:cs typeface="Arial" panose="020B0604020202020204" pitchFamily="34" charset="0"/>
+              </a:rPr>
+              <a:t>10</a:t>
+            </a:r>
+            <a:r>
+              <a:rPr lang="en-US" sz="1200" dirty="0">
+                <a:effectLst/>
+                <a:ea typeface="Calibri" panose="020F0502020204030204" pitchFamily="34" charset="0"/>
+                <a:cs typeface="Arial" panose="020B0604020202020204" pitchFamily="34" charset="0"/>
+              </a:rPr>
+              <a:t>(1), 63-76. https://doi.org/10.14201/adcaij20211016376</a:t>
+            </a:r>
+            <a:endParaRPr lang="en-IE" sz="1200" dirty="0">
+              <a:effectLst/>
+              <a:ea typeface="Calibri" panose="020F0502020204030204" pitchFamily="34" charset="0"/>
+              <a:cs typeface="Arial" panose="020B0604020202020204" pitchFamily="34" charset="0"/>
+            </a:endParaRPr>
+          </a:p>
+          <a:p>
+            <a:pPr marL="228600" indent="-228600">
+              <a:lnSpc>
+                <a:spcPct val="150000"/>
+              </a:lnSpc>
+              <a:spcAft>
+                <a:spcPts val="1680"/>
+              </a:spcAft>
+              <a:buFont typeface="+mj-lt"/>
+              <a:buAutoNum type="arabicPeriod" startAt="6"/>
+            </a:pPr>
+            <a:r>
+              <a:rPr lang="en-US" sz="1200" dirty="0">
+                <a:effectLst/>
+                <a:ea typeface="Calibri" panose="020F0502020204030204" pitchFamily="34" charset="0"/>
+                <a:cs typeface="Arial" panose="020B0604020202020204" pitchFamily="34" charset="0"/>
+              </a:rPr>
+              <a:t>Whatman, P. (2022). </a:t>
+            </a:r>
+            <a:r>
+              <a:rPr lang="en-US" sz="1200" i="1" dirty="0">
+                <a:effectLst/>
+                <a:ea typeface="Calibri" panose="020F0502020204030204" pitchFamily="34" charset="0"/>
+                <a:cs typeface="Arial" panose="020B0604020202020204" pitchFamily="34" charset="0"/>
+              </a:rPr>
+              <a:t>Credit card statistics 2022: 65+ facts for Europe, UK, and US</a:t>
+            </a:r>
+            <a:r>
+              <a:rPr lang="en-US" sz="1200" dirty="0">
+                <a:effectLst/>
+                <a:ea typeface="Calibri" panose="020F0502020204030204" pitchFamily="34" charset="0"/>
+                <a:cs typeface="Arial" panose="020B0604020202020204" pitchFamily="34" charset="0"/>
+              </a:rPr>
+              <a:t>. Blog.spendesk.com. Retrieved 16 October 2022, from https://blog.spendesk.com/en/credit-card-statistics-2020.</a:t>
+            </a:r>
+            <a:endParaRPr lang="en-IE" sz="1200" dirty="0">
+              <a:effectLst/>
+              <a:ea typeface="Calibri" panose="020F0502020204030204" pitchFamily="34" charset="0"/>
+              <a:cs typeface="Arial" panose="020B0604020202020204" pitchFamily="34" charset="0"/>
+            </a:endParaRPr>
           </a:p>
           <a:p>
             <a:pPr>
               <a:buFont typeface="Arial" panose="020B0604020202020204" pitchFamily="34" charset="0"/>
               <a:buChar char="•"/>
             </a:pPr>
-            <a:endParaRPr lang="en-GB" sz="2000" dirty="0"/>
-          </a:p>
-          <a:p>
-            <a:endParaRPr lang="en-GB" sz="2000" dirty="0"/>
-          </a:p>
-          <a:p>
-            <a:endParaRPr lang="en-IE" sz="2000" dirty="0"/>
+            <a:endParaRPr lang="en-GB" sz="1200" dirty="0"/>
+          </a:p>
+          <a:p>
+            <a:endParaRPr lang="en-GB" sz="1200" dirty="0"/>
+          </a:p>
+          <a:p>
+            <a:endParaRPr lang="en-IE" sz="1200" dirty="0"/>
           </a:p>
         </p:txBody>
       </p:sp>
@@ -8127,20 +8774,20 @@
     </p:spTree>
     <p:extLst>
       <p:ext uri="{BB962C8B-B14F-4D97-AF65-F5344CB8AC3E}">
-        <p14:creationId xmlns:p14="http://schemas.microsoft.com/office/powerpoint/2010/main" val="1606121261"/>
+        <p14:creationId xmlns:p14="http://schemas.microsoft.com/office/powerpoint/2010/main" val="1592174830"/>
       </p:ext>
     </p:extLst>
   </p:cSld>
   <p:clrMapOvr>
     <a:masterClrMapping/>
   </p:clrMapOvr>
-  <mc:AlternateContent xmlns:mc="http://schemas.openxmlformats.org/markup-compatibility/2006" xmlns:p159="http://schemas.microsoft.com/office/powerpoint/2015/09/main">
-    <mc:Choice Requires="p159">
+  <mc:AlternateContent xmlns:mc="http://schemas.openxmlformats.org/markup-compatibility/2006">
+    <mc:Choice xmlns:p159="http://schemas.microsoft.com/office/powerpoint/2015/09/main" Requires="p159">
       <p:transition xmlns:p14="http://schemas.microsoft.com/office/powerpoint/2010/main" spd="slow" p14:dur="2000">
         <p159:morph option="byObject"/>
       </p:transition>
     </mc:Choice>
-    <mc:Fallback xmlns="">
+    <mc:Fallback>
       <p:transition spd="slow">
         <p:fade/>
       </p:transition>
@@ -9217,15 +9864,6 @@
 </file>
 
 <file path=customXml/item1.xml><?xml version="1.0" encoding="utf-8"?>
-<p:properties xmlns:p="http://schemas.microsoft.com/office/2006/metadata/properties" xmlns:xsi="http://www.w3.org/2001/XMLSchema-instance" xmlns:pc="http://schemas.microsoft.com/office/infopath/2007/PartnerControls">
-  <documentManagement>
-    <Status xmlns="71af3243-3dd4-4a8d-8c0d-dd76da1f02a5">Not started</Status>
-    <MediaServiceKeyPoints xmlns="71af3243-3dd4-4a8d-8c0d-dd76da1f02a5" xsi:nil="true"/>
-  </documentManagement>
-</p:properties>
-</file>
-
-<file path=customXml/item2.xml><?xml version="1.0" encoding="utf-8"?>
 <ct:contentTypeSchema xmlns:ct="http://schemas.microsoft.com/office/2006/metadata/contentType" xmlns:ma="http://schemas.microsoft.com/office/2006/metadata/properties/metaAttributes" ct:_="" ma:_="" ma:contentTypeName="Document" ma:contentTypeID="0x01010079F111ED35F8CC479449609E8A0923A6" ma:contentTypeVersion="12" ma:contentTypeDescription="Create a new document." ma:contentTypeScope="" ma:versionID="a410dd7f93c95333ffa1b60ed6adedd1">
   <xsd:schema xmlns:xsd="http://www.w3.org/2001/XMLSchema" xmlns:xs="http://www.w3.org/2001/XMLSchema" xmlns:p="http://schemas.microsoft.com/office/2006/metadata/properties" xmlns:ns2="71af3243-3dd4-4a8d-8c0d-dd76da1f02a5" xmlns:ns3="16c05727-aa75-4e4a-9b5f-8a80a1165891" targetNamespace="http://schemas.microsoft.com/office/2006/metadata/properties" ma:root="true" ma:fieldsID="a936d9baba76aa3866493feff160faab" ns2:_="" ns3:_="">
     <xsd:import namespace="71af3243-3dd4-4a8d-8c0d-dd76da1f02a5"/>
@@ -9446,6 +10084,15 @@
 </ct:contentTypeSchema>
 </file>
 
+<file path=customXml/item2.xml><?xml version="1.0" encoding="utf-8"?>
+<p:properties xmlns:p="http://schemas.microsoft.com/office/2006/metadata/properties" xmlns:xsi="http://www.w3.org/2001/XMLSchema-instance" xmlns:pc="http://schemas.microsoft.com/office/infopath/2007/PartnerControls">
+  <documentManagement>
+    <Status xmlns="71af3243-3dd4-4a8d-8c0d-dd76da1f02a5">Not started</Status>
+    <MediaServiceKeyPoints xmlns="71af3243-3dd4-4a8d-8c0d-dd76da1f02a5" xsi:nil="true"/>
+  </documentManagement>
+</p:properties>
+</file>
+
 <file path=customXml/item3.xml><?xml version="1.0" encoding="utf-8"?>
 <?mso-contentType ?>
 <FormTemplates xmlns="http://schemas.microsoft.com/sharepoint/v3/contenttype/forms">
@@ -9456,23 +10103,6 @@
 </file>
 
 <file path=customXml/itemProps1.xml><?xml version="1.0" encoding="utf-8"?>
-<ds:datastoreItem xmlns:ds="http://schemas.openxmlformats.org/officeDocument/2006/customXml" ds:itemID="{A03EEFF0-FB57-4CB4-8BFC-DF397689E2ED}">
-  <ds:schemaRefs>
-    <ds:schemaRef ds:uri="http://schemas.microsoft.com/office/2006/documentManagement/types"/>
-    <ds:schemaRef ds:uri="http://schemas.microsoft.com/office/infopath/2007/PartnerControls"/>
-    <ds:schemaRef ds:uri="http://purl.org/dc/elements/1.1/"/>
-    <ds:schemaRef ds:uri="http://schemas.microsoft.com/office/2006/metadata/properties"/>
-    <ds:schemaRef ds:uri="http://purl.org/dc/terms/"/>
-    <ds:schemaRef ds:uri="http://schemas.openxmlformats.org/package/2006/metadata/core-properties"/>
-    <ds:schemaRef ds:uri="16c05727-aa75-4e4a-9b5f-8a80a1165891"/>
-    <ds:schemaRef ds:uri="71af3243-3dd4-4a8d-8c0d-dd76da1f02a5"/>
-    <ds:schemaRef ds:uri="http://www.w3.org/XML/1998/namespace"/>
-    <ds:schemaRef ds:uri="http://purl.org/dc/dcmitype/"/>
-  </ds:schemaRefs>
-</ds:datastoreItem>
-</file>
-
-<file path=customXml/itemProps2.xml><?xml version="1.0" encoding="utf-8"?>
 <ds:datastoreItem xmlns:ds="http://schemas.openxmlformats.org/officeDocument/2006/customXml" ds:itemID="{93932EF5-314F-409E-8020-FEE5FA0795B9}">
   <ds:schemaRefs>
     <ds:schemaRef ds:uri="http://schemas.microsoft.com/office/2006/metadata/contentType"/>
@@ -9491,6 +10121,23 @@
 </ds:datastoreItem>
 </file>
 
+<file path=customXml/itemProps2.xml><?xml version="1.0" encoding="utf-8"?>
+<ds:datastoreItem xmlns:ds="http://schemas.openxmlformats.org/officeDocument/2006/customXml" ds:itemID="{A03EEFF0-FB57-4CB4-8BFC-DF397689E2ED}">
+  <ds:schemaRefs>
+    <ds:schemaRef ds:uri="http://schemas.microsoft.com/office/2006/documentManagement/types"/>
+    <ds:schemaRef ds:uri="http://schemas.microsoft.com/office/infopath/2007/PartnerControls"/>
+    <ds:schemaRef ds:uri="http://purl.org/dc/elements/1.1/"/>
+    <ds:schemaRef ds:uri="http://schemas.microsoft.com/office/2006/metadata/properties"/>
+    <ds:schemaRef ds:uri="http://purl.org/dc/terms/"/>
+    <ds:schemaRef ds:uri="http://schemas.openxmlformats.org/package/2006/metadata/core-properties"/>
+    <ds:schemaRef ds:uri="16c05727-aa75-4e4a-9b5f-8a80a1165891"/>
+    <ds:schemaRef ds:uri="71af3243-3dd4-4a8d-8c0d-dd76da1f02a5"/>
+    <ds:schemaRef ds:uri="http://www.w3.org/XML/1998/namespace"/>
+    <ds:schemaRef ds:uri="http://purl.org/dc/dcmitype/"/>
+  </ds:schemaRefs>
+</ds:datastoreItem>
+</file>
+
 <file path=customXml/itemProps3.xml><?xml version="1.0" encoding="utf-8"?>
 <ds:datastoreItem xmlns:ds="http://schemas.openxmlformats.org/officeDocument/2006/customXml" ds:itemID="{AA3F7EDC-E5B4-4BBC-9D2A-CBE6D46C37AD}">
   <ds:schemaRefs>

--- a/Resarch Des and Prop Wrt TU060_2 DS Ciaran Finnegan d21124026 cf v1-2 161022.pptx
+++ b/Resarch Des and Prop Wrt TU060_2 DS Ciaran Finnegan d21124026 cf v1-2 161022.pptx
@@ -215,7 +215,7 @@
           <a:p>
             <a:fld id="{7451CB58-2469-45B2-A714-895C122137A0}" type="datetimeFigureOut">
               <a:rPr lang="en-IE" smtClean="0"/>
-              <a:t>16/10/2022</a:t>
+              <a:t>21/10/2022</a:t>
             </a:fld>
             <a:endParaRPr lang="en-IE"/>
           </a:p>
@@ -1828,7 +1828,7 @@
           <a:p>
             <a:fld id="{9184DA70-C731-4C70-880D-CCD4705E623C}" type="datetime1">
               <a:rPr lang="en-US" smtClean="0"/>
-              <a:t>10/16/2022</a:t>
+              <a:t>10/21/2022</a:t>
             </a:fld>
             <a:endParaRPr lang="en-US" dirty="0"/>
           </a:p>
@@ -2016,7 +2016,7 @@
           <a:p>
             <a:fld id="{4BE1D723-8F53-4F53-90B0-1982A396982E}" type="datetime1">
               <a:rPr lang="en-US" smtClean="0"/>
-              <a:t>10/16/2022</a:t>
+              <a:t>10/21/2022</a:t>
             </a:fld>
             <a:endParaRPr lang="en-US" dirty="0"/>
           </a:p>
@@ -2389,7 +2389,7 @@
           <a:p>
             <a:fld id="{97669AF7-7BEB-44E4-9852-375E34362B5B}" type="datetime1">
               <a:rPr lang="en-US" smtClean="0"/>
-              <a:t>10/16/2022</a:t>
+              <a:t>10/21/2022</a:t>
             </a:fld>
             <a:endParaRPr lang="en-US" dirty="0"/>
           </a:p>
@@ -2644,7 +2644,7 @@
           <a:p>
             <a:fld id="{BAAAC38D-0552-4C82-B593-E6124DFADBE2}" type="datetime1">
               <a:rPr lang="en-US" smtClean="0"/>
-              <a:t>10/16/2022</a:t>
+              <a:t>10/21/2022</a:t>
             </a:fld>
             <a:endParaRPr lang="en-US" dirty="0"/>
           </a:p>
@@ -3041,7 +3041,7 @@
           <a:p>
             <a:fld id="{D9DF0F1C-5577-4ACB-BB62-DF8F3C494C7E}" type="datetime1">
               <a:rPr lang="en-US" smtClean="0"/>
-              <a:t>10/16/2022</a:t>
+              <a:t>10/21/2022</a:t>
             </a:fld>
             <a:endParaRPr lang="en-US" dirty="0"/>
           </a:p>
@@ -3177,7 +3177,7 @@
           <a:p>
             <a:fld id="{1775B394-D9F9-4F0C-B15D-605F45CB9E9F}" type="datetime1">
               <a:rPr lang="en-US" smtClean="0"/>
-              <a:t>10/16/2022</a:t>
+              <a:t>10/21/2022</a:t>
             </a:fld>
             <a:endParaRPr lang="en-US" dirty="0"/>
           </a:p>
@@ -3334,7 +3334,7 @@
           <a:p>
             <a:fld id="{39667345-2558-425A-8533-9BFDBCE15005}" type="datetime1">
               <a:rPr lang="en-US" smtClean="0"/>
-              <a:t>10/16/2022</a:t>
+              <a:t>10/21/2022</a:t>
             </a:fld>
             <a:endParaRPr lang="en-US" dirty="0"/>
           </a:p>
@@ -3663,7 +3663,7 @@
           <a:p>
             <a:fld id="{92BEA474-078D-4E9B-9B14-09A87B19DC46}" type="datetime1">
               <a:rPr lang="en-US" smtClean="0"/>
-              <a:t>10/16/2022</a:t>
+              <a:t>10/21/2022</a:t>
             </a:fld>
             <a:endParaRPr lang="en-US" dirty="0"/>
           </a:p>
@@ -4013,7 +4013,7 @@
           <a:p>
             <a:fld id="{4907D986-8816-4272-A432-0437A28A9828}" type="datetime1">
               <a:rPr lang="en-US" smtClean="0"/>
-              <a:t>10/16/2022</a:t>
+              <a:t>10/21/2022</a:t>
             </a:fld>
             <a:endParaRPr lang="en-US" dirty="0"/>
           </a:p>
@@ -4274,7 +4274,7 @@
           <a:p>
             <a:fld id="{62D6E202-B606-4609-B914-27C9371A1F6D}" type="datetime1">
               <a:rPr lang="en-US" smtClean="0"/>
-              <a:t>10/16/2022</a:t>
+              <a:t>10/21/2022</a:t>
             </a:fld>
             <a:endParaRPr lang="en-US" dirty="0"/>
           </a:p>
@@ -8781,13 +8781,13 @@
   <p:clrMapOvr>
     <a:masterClrMapping/>
   </p:clrMapOvr>
-  <mc:AlternateContent xmlns:mc="http://schemas.openxmlformats.org/markup-compatibility/2006">
-    <mc:Choice xmlns:p159="http://schemas.microsoft.com/office/powerpoint/2015/09/main" Requires="p159">
+  <mc:AlternateContent xmlns:mc="http://schemas.openxmlformats.org/markup-compatibility/2006" xmlns:p159="http://schemas.microsoft.com/office/powerpoint/2015/09/main">
+    <mc:Choice Requires="p159">
       <p:transition xmlns:p14="http://schemas.microsoft.com/office/powerpoint/2010/main" spd="slow" p14:dur="2000">
         <p159:morph option="byObject"/>
       </p:transition>
     </mc:Choice>
-    <mc:Fallback>
+    <mc:Fallback xmlns="">
       <p:transition spd="slow">
         <p:fade/>
       </p:transition>
@@ -9864,6 +9864,15 @@
 </file>
 
 <file path=customXml/item1.xml><?xml version="1.0" encoding="utf-8"?>
+<p:properties xmlns:p="http://schemas.microsoft.com/office/2006/metadata/properties" xmlns:xsi="http://www.w3.org/2001/XMLSchema-instance" xmlns:pc="http://schemas.microsoft.com/office/infopath/2007/PartnerControls">
+  <documentManagement>
+    <Status xmlns="71af3243-3dd4-4a8d-8c0d-dd76da1f02a5">Not started</Status>
+    <MediaServiceKeyPoints xmlns="71af3243-3dd4-4a8d-8c0d-dd76da1f02a5" xsi:nil="true"/>
+  </documentManagement>
+</p:properties>
+</file>
+
+<file path=customXml/item2.xml><?xml version="1.0" encoding="utf-8"?>
 <ct:contentTypeSchema xmlns:ct="http://schemas.microsoft.com/office/2006/metadata/contentType" xmlns:ma="http://schemas.microsoft.com/office/2006/metadata/properties/metaAttributes" ct:_="" ma:_="" ma:contentTypeName="Document" ma:contentTypeID="0x01010079F111ED35F8CC479449609E8A0923A6" ma:contentTypeVersion="12" ma:contentTypeDescription="Create a new document." ma:contentTypeScope="" ma:versionID="a410dd7f93c95333ffa1b60ed6adedd1">
   <xsd:schema xmlns:xsd="http://www.w3.org/2001/XMLSchema" xmlns:xs="http://www.w3.org/2001/XMLSchema" xmlns:p="http://schemas.microsoft.com/office/2006/metadata/properties" xmlns:ns2="71af3243-3dd4-4a8d-8c0d-dd76da1f02a5" xmlns:ns3="16c05727-aa75-4e4a-9b5f-8a80a1165891" targetNamespace="http://schemas.microsoft.com/office/2006/metadata/properties" ma:root="true" ma:fieldsID="a936d9baba76aa3866493feff160faab" ns2:_="" ns3:_="">
     <xsd:import namespace="71af3243-3dd4-4a8d-8c0d-dd76da1f02a5"/>
@@ -10084,15 +10093,6 @@
 </ct:contentTypeSchema>
 </file>
 
-<file path=customXml/item2.xml><?xml version="1.0" encoding="utf-8"?>
-<p:properties xmlns:p="http://schemas.microsoft.com/office/2006/metadata/properties" xmlns:xsi="http://www.w3.org/2001/XMLSchema-instance" xmlns:pc="http://schemas.microsoft.com/office/infopath/2007/PartnerControls">
-  <documentManagement>
-    <Status xmlns="71af3243-3dd4-4a8d-8c0d-dd76da1f02a5">Not started</Status>
-    <MediaServiceKeyPoints xmlns="71af3243-3dd4-4a8d-8c0d-dd76da1f02a5" xsi:nil="true"/>
-  </documentManagement>
-</p:properties>
-</file>
-
 <file path=customXml/item3.xml><?xml version="1.0" encoding="utf-8"?>
 <?mso-contentType ?>
 <FormTemplates xmlns="http://schemas.microsoft.com/sharepoint/v3/contenttype/forms">
@@ -10103,6 +10103,23 @@
 </file>
 
 <file path=customXml/itemProps1.xml><?xml version="1.0" encoding="utf-8"?>
+<ds:datastoreItem xmlns:ds="http://schemas.openxmlformats.org/officeDocument/2006/customXml" ds:itemID="{A03EEFF0-FB57-4CB4-8BFC-DF397689E2ED}">
+  <ds:schemaRefs>
+    <ds:schemaRef ds:uri="http://schemas.microsoft.com/office/2006/documentManagement/types"/>
+    <ds:schemaRef ds:uri="http://schemas.microsoft.com/office/infopath/2007/PartnerControls"/>
+    <ds:schemaRef ds:uri="http://purl.org/dc/elements/1.1/"/>
+    <ds:schemaRef ds:uri="http://schemas.microsoft.com/office/2006/metadata/properties"/>
+    <ds:schemaRef ds:uri="http://purl.org/dc/terms/"/>
+    <ds:schemaRef ds:uri="http://schemas.openxmlformats.org/package/2006/metadata/core-properties"/>
+    <ds:schemaRef ds:uri="16c05727-aa75-4e4a-9b5f-8a80a1165891"/>
+    <ds:schemaRef ds:uri="71af3243-3dd4-4a8d-8c0d-dd76da1f02a5"/>
+    <ds:schemaRef ds:uri="http://www.w3.org/XML/1998/namespace"/>
+    <ds:schemaRef ds:uri="http://purl.org/dc/dcmitype/"/>
+  </ds:schemaRefs>
+</ds:datastoreItem>
+</file>
+
+<file path=customXml/itemProps2.xml><?xml version="1.0" encoding="utf-8"?>
 <ds:datastoreItem xmlns:ds="http://schemas.openxmlformats.org/officeDocument/2006/customXml" ds:itemID="{93932EF5-314F-409E-8020-FEE5FA0795B9}">
   <ds:schemaRefs>
     <ds:schemaRef ds:uri="http://schemas.microsoft.com/office/2006/metadata/contentType"/>
@@ -10121,23 +10138,6 @@
 </ds:datastoreItem>
 </file>
 
-<file path=customXml/itemProps2.xml><?xml version="1.0" encoding="utf-8"?>
-<ds:datastoreItem xmlns:ds="http://schemas.openxmlformats.org/officeDocument/2006/customXml" ds:itemID="{A03EEFF0-FB57-4CB4-8BFC-DF397689E2ED}">
-  <ds:schemaRefs>
-    <ds:schemaRef ds:uri="http://schemas.microsoft.com/office/2006/documentManagement/types"/>
-    <ds:schemaRef ds:uri="http://schemas.microsoft.com/office/infopath/2007/PartnerControls"/>
-    <ds:schemaRef ds:uri="http://purl.org/dc/elements/1.1/"/>
-    <ds:schemaRef ds:uri="http://schemas.microsoft.com/office/2006/metadata/properties"/>
-    <ds:schemaRef ds:uri="http://purl.org/dc/terms/"/>
-    <ds:schemaRef ds:uri="http://schemas.openxmlformats.org/package/2006/metadata/core-properties"/>
-    <ds:schemaRef ds:uri="16c05727-aa75-4e4a-9b5f-8a80a1165891"/>
-    <ds:schemaRef ds:uri="71af3243-3dd4-4a8d-8c0d-dd76da1f02a5"/>
-    <ds:schemaRef ds:uri="http://www.w3.org/XML/1998/namespace"/>
-    <ds:schemaRef ds:uri="http://purl.org/dc/dcmitype/"/>
-  </ds:schemaRefs>
-</ds:datastoreItem>
-</file>
-
 <file path=customXml/itemProps3.xml><?xml version="1.0" encoding="utf-8"?>
 <ds:datastoreItem xmlns:ds="http://schemas.openxmlformats.org/officeDocument/2006/customXml" ds:itemID="{AA3F7EDC-E5B4-4BBC-9D2A-CBE6D46C37AD}">
   <ds:schemaRefs>

--- a/Resarch Des and Prop Wrt TU060_2 DS Ciaran Finnegan d21124026 cf v1-2 161022.pptx
+++ b/Resarch Des and Prop Wrt TU060_2 DS Ciaran Finnegan d21124026 cf v1-2 161022.pptx
@@ -215,7 +215,7 @@
           <a:p>
             <a:fld id="{7451CB58-2469-45B2-A714-895C122137A0}" type="datetimeFigureOut">
               <a:rPr lang="en-IE" smtClean="0"/>
-              <a:t>21/10/2022</a:t>
+              <a:t>22/10/2022</a:t>
             </a:fld>
             <a:endParaRPr lang="en-IE"/>
           </a:p>
@@ -1828,7 +1828,7 @@
           <a:p>
             <a:fld id="{9184DA70-C731-4C70-880D-CCD4705E623C}" type="datetime1">
               <a:rPr lang="en-US" smtClean="0"/>
-              <a:t>10/21/2022</a:t>
+              <a:t>10/22/2022</a:t>
             </a:fld>
             <a:endParaRPr lang="en-US" dirty="0"/>
           </a:p>
@@ -2016,7 +2016,7 @@
           <a:p>
             <a:fld id="{4BE1D723-8F53-4F53-90B0-1982A396982E}" type="datetime1">
               <a:rPr lang="en-US" smtClean="0"/>
-              <a:t>10/21/2022</a:t>
+              <a:t>10/22/2022</a:t>
             </a:fld>
             <a:endParaRPr lang="en-US" dirty="0"/>
           </a:p>
@@ -2389,7 +2389,7 @@
           <a:p>
             <a:fld id="{97669AF7-7BEB-44E4-9852-375E34362B5B}" type="datetime1">
               <a:rPr lang="en-US" smtClean="0"/>
-              <a:t>10/21/2022</a:t>
+              <a:t>10/22/2022</a:t>
             </a:fld>
             <a:endParaRPr lang="en-US" dirty="0"/>
           </a:p>
@@ -2644,7 +2644,7 @@
           <a:p>
             <a:fld id="{BAAAC38D-0552-4C82-B593-E6124DFADBE2}" type="datetime1">
               <a:rPr lang="en-US" smtClean="0"/>
-              <a:t>10/21/2022</a:t>
+              <a:t>10/22/2022</a:t>
             </a:fld>
             <a:endParaRPr lang="en-US" dirty="0"/>
           </a:p>
@@ -3041,7 +3041,7 @@
           <a:p>
             <a:fld id="{D9DF0F1C-5577-4ACB-BB62-DF8F3C494C7E}" type="datetime1">
               <a:rPr lang="en-US" smtClean="0"/>
-              <a:t>10/21/2022</a:t>
+              <a:t>10/22/2022</a:t>
             </a:fld>
             <a:endParaRPr lang="en-US" dirty="0"/>
           </a:p>
@@ -3177,7 +3177,7 @@
           <a:p>
             <a:fld id="{1775B394-D9F9-4F0C-B15D-605F45CB9E9F}" type="datetime1">
               <a:rPr lang="en-US" smtClean="0"/>
-              <a:t>10/21/2022</a:t>
+              <a:t>10/22/2022</a:t>
             </a:fld>
             <a:endParaRPr lang="en-US" dirty="0"/>
           </a:p>
@@ -3334,7 +3334,7 @@
           <a:p>
             <a:fld id="{39667345-2558-425A-8533-9BFDBCE15005}" type="datetime1">
               <a:rPr lang="en-US" smtClean="0"/>
-              <a:t>10/21/2022</a:t>
+              <a:t>10/22/2022</a:t>
             </a:fld>
             <a:endParaRPr lang="en-US" dirty="0"/>
           </a:p>
@@ -3663,7 +3663,7 @@
           <a:p>
             <a:fld id="{92BEA474-078D-4E9B-9B14-09A87B19DC46}" type="datetime1">
               <a:rPr lang="en-US" smtClean="0"/>
-              <a:t>10/21/2022</a:t>
+              <a:t>10/22/2022</a:t>
             </a:fld>
             <a:endParaRPr lang="en-US" dirty="0"/>
           </a:p>
@@ -4013,7 +4013,7 @@
           <a:p>
             <a:fld id="{4907D986-8816-4272-A432-0437A28A9828}" type="datetime1">
               <a:rPr lang="en-US" smtClean="0"/>
-              <a:t>10/21/2022</a:t>
+              <a:t>10/22/2022</a:t>
             </a:fld>
             <a:endParaRPr lang="en-US" dirty="0"/>
           </a:p>
@@ -4274,7 +4274,7 @@
           <a:p>
             <a:fld id="{62D6E202-B606-4609-B914-27C9371A1F6D}" type="datetime1">
               <a:rPr lang="en-US" smtClean="0"/>
-              <a:t>10/21/2022</a:t>
+              <a:t>10/22/2022</a:t>
             </a:fld>
             <a:endParaRPr lang="en-US" dirty="0"/>
           </a:p>
@@ -7078,20 +7078,13 @@
             <p:ph type="title"/>
           </p:nvPr>
         </p:nvSpPr>
-        <p:spPr>
-          <a:xfrm>
-            <a:off x="1097280" y="260478"/>
-            <a:ext cx="10789920" cy="1450757"/>
-          </a:xfrm>
-        </p:spPr>
+        <p:spPr/>
         <p:txBody>
-          <a:bodyPr>
-            <a:normAutofit/>
-          </a:bodyPr>
+          <a:bodyPr/>
           <a:lstStyle/>
           <a:p>
             <a:r>
-              <a:rPr lang="en-GB" sz="4000" dirty="0"/>
+              <a:rPr lang="en-GB" dirty="0"/>
               <a:t>Feasibility of the Study</a:t>
             </a:r>
           </a:p>
@@ -7113,85 +7106,54 @@
             <p:ph idx="1"/>
           </p:nvPr>
         </p:nvSpPr>
-        <p:spPr>
-          <a:xfrm>
-            <a:off x="1097280" y="1920239"/>
-            <a:ext cx="10058400" cy="4310744"/>
-          </a:xfrm>
-        </p:spPr>
+        <p:spPr/>
         <p:txBody>
-          <a:bodyPr>
-            <a:normAutofit/>
-          </a:bodyPr>
+          <a:bodyPr/>
           <a:lstStyle/>
           <a:p>
             <a:r>
-              <a:rPr lang="en-GB" sz="2000" b="1" dirty="0"/>
+              <a:rPr lang="en-GB" dirty="0"/>
               <a:t>Planned Tasks and Timelines</a:t>
             </a:r>
           </a:p>
           <a:p>
-            <a:pPr>
-              <a:buFont typeface="Arial" panose="020B0604020202020204" pitchFamily="34" charset="0"/>
-              <a:buChar char="•"/>
-            </a:pPr>
-            <a:r>
-              <a:rPr lang="en-GB" sz="2000" dirty="0"/>
+            <a:r>
+              <a:rPr lang="en-GB" dirty="0"/>
               <a:t>Task 1 – and timeline</a:t>
             </a:r>
           </a:p>
           <a:p>
-            <a:pPr>
-              <a:buFont typeface="Arial" panose="020B0604020202020204" pitchFamily="34" charset="0"/>
-              <a:buChar char="•"/>
-            </a:pPr>
-            <a:r>
-              <a:rPr lang="en-GB" sz="2000" dirty="0"/>
+            <a:r>
+              <a:rPr lang="en-GB" dirty="0"/>
               <a:t>Task 2 – and timeline</a:t>
             </a:r>
           </a:p>
           <a:p>
-            <a:pPr>
-              <a:buFont typeface="Arial" panose="020B0604020202020204" pitchFamily="34" charset="0"/>
-              <a:buChar char="•"/>
-            </a:pPr>
-            <a:r>
-              <a:rPr lang="en-GB" sz="2000" dirty="0"/>
+            <a:r>
+              <a:rPr lang="en-GB" dirty="0"/>
               <a:t>Task 3 – and timeline</a:t>
             </a:r>
           </a:p>
           <a:p>
-            <a:pPr>
-              <a:buFont typeface="Arial" panose="020B0604020202020204" pitchFamily="34" charset="0"/>
-              <a:buChar char="•"/>
-            </a:pPr>
-            <a:r>
-              <a:rPr lang="en-GB" sz="2000" dirty="0"/>
+            <a:r>
+              <a:rPr lang="en-GB" dirty="0"/>
               <a:t>Task 4 – and timeline</a:t>
             </a:r>
           </a:p>
           <a:p>
-            <a:pPr>
-              <a:buFont typeface="Arial" panose="020B0604020202020204" pitchFamily="34" charset="0"/>
-              <a:buChar char="•"/>
-            </a:pPr>
-            <a:r>
-              <a:rPr lang="en-GB" sz="2000" dirty="0"/>
+            <a:r>
+              <a:rPr lang="en-GB" dirty="0"/>
               <a:t>Task 5 – and timeline</a:t>
             </a:r>
           </a:p>
           <a:p>
-            <a:pPr>
-              <a:buFont typeface="Arial" panose="020B0604020202020204" pitchFamily="34" charset="0"/>
-              <a:buChar char="•"/>
-            </a:pPr>
-            <a:endParaRPr lang="en-GB" sz="2000" dirty="0"/>
-          </a:p>
-          <a:p>
-            <a:endParaRPr lang="en-GB" sz="2000" dirty="0"/>
-          </a:p>
-          <a:p>
-            <a:endParaRPr lang="en-IE" sz="2000" dirty="0"/>
+            <a:endParaRPr lang="en-GB" dirty="0"/>
+          </a:p>
+          <a:p>
+            <a:endParaRPr lang="en-GB" dirty="0"/>
+          </a:p>
+          <a:p>
+            <a:endParaRPr lang="en-IE" dirty="0"/>
           </a:p>
         </p:txBody>
       </p:sp>
@@ -9864,15 +9826,6 @@
 </file>
 
 <file path=customXml/item1.xml><?xml version="1.0" encoding="utf-8"?>
-<p:properties xmlns:p="http://schemas.microsoft.com/office/2006/metadata/properties" xmlns:xsi="http://www.w3.org/2001/XMLSchema-instance" xmlns:pc="http://schemas.microsoft.com/office/infopath/2007/PartnerControls">
-  <documentManagement>
-    <Status xmlns="71af3243-3dd4-4a8d-8c0d-dd76da1f02a5">Not started</Status>
-    <MediaServiceKeyPoints xmlns="71af3243-3dd4-4a8d-8c0d-dd76da1f02a5" xsi:nil="true"/>
-  </documentManagement>
-</p:properties>
-</file>
-
-<file path=customXml/item2.xml><?xml version="1.0" encoding="utf-8"?>
 <ct:contentTypeSchema xmlns:ct="http://schemas.microsoft.com/office/2006/metadata/contentType" xmlns:ma="http://schemas.microsoft.com/office/2006/metadata/properties/metaAttributes" ct:_="" ma:_="" ma:contentTypeName="Document" ma:contentTypeID="0x01010079F111ED35F8CC479449609E8A0923A6" ma:contentTypeVersion="12" ma:contentTypeDescription="Create a new document." ma:contentTypeScope="" ma:versionID="a410dd7f93c95333ffa1b60ed6adedd1">
   <xsd:schema xmlns:xsd="http://www.w3.org/2001/XMLSchema" xmlns:xs="http://www.w3.org/2001/XMLSchema" xmlns:p="http://schemas.microsoft.com/office/2006/metadata/properties" xmlns:ns2="71af3243-3dd4-4a8d-8c0d-dd76da1f02a5" xmlns:ns3="16c05727-aa75-4e4a-9b5f-8a80a1165891" targetNamespace="http://schemas.microsoft.com/office/2006/metadata/properties" ma:root="true" ma:fieldsID="a936d9baba76aa3866493feff160faab" ns2:_="" ns3:_="">
     <xsd:import namespace="71af3243-3dd4-4a8d-8c0d-dd76da1f02a5"/>
@@ -10093,6 +10046,15 @@
 </ct:contentTypeSchema>
 </file>
 
+<file path=customXml/item2.xml><?xml version="1.0" encoding="utf-8"?>
+<p:properties xmlns:p="http://schemas.microsoft.com/office/2006/metadata/properties" xmlns:xsi="http://www.w3.org/2001/XMLSchema-instance" xmlns:pc="http://schemas.microsoft.com/office/infopath/2007/PartnerControls">
+  <documentManagement>
+    <Status xmlns="71af3243-3dd4-4a8d-8c0d-dd76da1f02a5">Not started</Status>
+    <MediaServiceKeyPoints xmlns="71af3243-3dd4-4a8d-8c0d-dd76da1f02a5" xsi:nil="true"/>
+  </documentManagement>
+</p:properties>
+</file>
+
 <file path=customXml/item3.xml><?xml version="1.0" encoding="utf-8"?>
 <?mso-contentType ?>
 <FormTemplates xmlns="http://schemas.microsoft.com/sharepoint/v3/contenttype/forms">
@@ -10103,23 +10065,6 @@
 </file>
 
 <file path=customXml/itemProps1.xml><?xml version="1.0" encoding="utf-8"?>
-<ds:datastoreItem xmlns:ds="http://schemas.openxmlformats.org/officeDocument/2006/customXml" ds:itemID="{A03EEFF0-FB57-4CB4-8BFC-DF397689E2ED}">
-  <ds:schemaRefs>
-    <ds:schemaRef ds:uri="http://schemas.microsoft.com/office/2006/documentManagement/types"/>
-    <ds:schemaRef ds:uri="http://schemas.microsoft.com/office/infopath/2007/PartnerControls"/>
-    <ds:schemaRef ds:uri="http://purl.org/dc/elements/1.1/"/>
-    <ds:schemaRef ds:uri="http://schemas.microsoft.com/office/2006/metadata/properties"/>
-    <ds:schemaRef ds:uri="http://purl.org/dc/terms/"/>
-    <ds:schemaRef ds:uri="http://schemas.openxmlformats.org/package/2006/metadata/core-properties"/>
-    <ds:schemaRef ds:uri="16c05727-aa75-4e4a-9b5f-8a80a1165891"/>
-    <ds:schemaRef ds:uri="71af3243-3dd4-4a8d-8c0d-dd76da1f02a5"/>
-    <ds:schemaRef ds:uri="http://www.w3.org/XML/1998/namespace"/>
-    <ds:schemaRef ds:uri="http://purl.org/dc/dcmitype/"/>
-  </ds:schemaRefs>
-</ds:datastoreItem>
-</file>
-
-<file path=customXml/itemProps2.xml><?xml version="1.0" encoding="utf-8"?>
 <ds:datastoreItem xmlns:ds="http://schemas.openxmlformats.org/officeDocument/2006/customXml" ds:itemID="{93932EF5-314F-409E-8020-FEE5FA0795B9}">
   <ds:schemaRefs>
     <ds:schemaRef ds:uri="http://schemas.microsoft.com/office/2006/metadata/contentType"/>
@@ -10138,6 +10083,23 @@
 </ds:datastoreItem>
 </file>
 
+<file path=customXml/itemProps2.xml><?xml version="1.0" encoding="utf-8"?>
+<ds:datastoreItem xmlns:ds="http://schemas.openxmlformats.org/officeDocument/2006/customXml" ds:itemID="{A03EEFF0-FB57-4CB4-8BFC-DF397689E2ED}">
+  <ds:schemaRefs>
+    <ds:schemaRef ds:uri="http://schemas.microsoft.com/office/2006/documentManagement/types"/>
+    <ds:schemaRef ds:uri="http://schemas.microsoft.com/office/infopath/2007/PartnerControls"/>
+    <ds:schemaRef ds:uri="http://purl.org/dc/elements/1.1/"/>
+    <ds:schemaRef ds:uri="http://schemas.microsoft.com/office/2006/metadata/properties"/>
+    <ds:schemaRef ds:uri="http://purl.org/dc/terms/"/>
+    <ds:schemaRef ds:uri="http://schemas.openxmlformats.org/package/2006/metadata/core-properties"/>
+    <ds:schemaRef ds:uri="16c05727-aa75-4e4a-9b5f-8a80a1165891"/>
+    <ds:schemaRef ds:uri="71af3243-3dd4-4a8d-8c0d-dd76da1f02a5"/>
+    <ds:schemaRef ds:uri="http://www.w3.org/XML/1998/namespace"/>
+    <ds:schemaRef ds:uri="http://purl.org/dc/dcmitype/"/>
+  </ds:schemaRefs>
+</ds:datastoreItem>
+</file>
+
 <file path=customXml/itemProps3.xml><?xml version="1.0" encoding="utf-8"?>
 <ds:datastoreItem xmlns:ds="http://schemas.openxmlformats.org/officeDocument/2006/customXml" ds:itemID="{AA3F7EDC-E5B4-4BBC-9D2A-CBE6D46C37AD}">
   <ds:schemaRefs>
